--- a/Tasklets.pptx
+++ b/Tasklets.pptx
@@ -866,7 +866,7 @@
   <p:cSld>
     <p:spTree>
       <p:nvGrpSpPr>
-        <p:cNvPr id="197" name="Shape 197"/>
+        <p:cNvPr id="198" name="Shape 198"/>
         <p:cNvGrpSpPr/>
         <p:nvPr/>
       </p:nvGrpSpPr>
@@ -880,7 +880,7 @@
       </p:grpSpPr>
       <p:sp>
         <p:nvSpPr>
-          <p:cNvPr id="198" name="Shape 198"/>
+          <p:cNvPr id="199" name="Shape 199"/>
           <p:cNvSpPr/>
           <p:nvPr>
             <p:ph idx="2" type="sldImg"/>
@@ -914,7 +914,7 @@
       </p:sp>
       <p:sp>
         <p:nvSpPr>
-          <p:cNvPr id="199" name="Shape 199"/>
+          <p:cNvPr id="200" name="Shape 200"/>
           <p:cNvSpPr txBox="1"/>
           <p:nvPr>
             <p:ph idx="1" type="body"/>
@@ -961,7 +961,7 @@
   <p:cSld>
     <p:spTree>
       <p:nvGrpSpPr>
-        <p:cNvPr id="212" name="Shape 212"/>
+        <p:cNvPr id="213" name="Shape 213"/>
         <p:cNvGrpSpPr/>
         <p:nvPr/>
       </p:nvGrpSpPr>
@@ -975,7 +975,7 @@
       </p:grpSpPr>
       <p:sp>
         <p:nvSpPr>
-          <p:cNvPr id="213" name="Shape 213"/>
+          <p:cNvPr id="214" name="Shape 214"/>
           <p:cNvSpPr/>
           <p:nvPr>
             <p:ph idx="2" type="sldImg"/>
@@ -1009,7 +1009,7 @@
       </p:sp>
       <p:sp>
         <p:nvSpPr>
-          <p:cNvPr id="214" name="Shape 214"/>
+          <p:cNvPr id="215" name="Shape 215"/>
           <p:cNvSpPr txBox="1"/>
           <p:nvPr>
             <p:ph idx="1" type="body"/>
@@ -1056,7 +1056,7 @@
   <p:cSld>
     <p:spTree>
       <p:nvGrpSpPr>
-        <p:cNvPr id="226" name="Shape 226"/>
+        <p:cNvPr id="227" name="Shape 227"/>
         <p:cNvGrpSpPr/>
         <p:nvPr/>
       </p:nvGrpSpPr>
@@ -1070,7 +1070,7 @@
       </p:grpSpPr>
       <p:sp>
         <p:nvSpPr>
-          <p:cNvPr id="227" name="Shape 227"/>
+          <p:cNvPr id="228" name="Shape 228"/>
           <p:cNvSpPr/>
           <p:nvPr>
             <p:ph idx="2" type="sldImg"/>
@@ -1104,7 +1104,7 @@
       </p:sp>
       <p:sp>
         <p:nvSpPr>
-          <p:cNvPr id="228" name="Shape 228"/>
+          <p:cNvPr id="229" name="Shape 229"/>
           <p:cNvSpPr txBox="1"/>
           <p:nvPr>
             <p:ph idx="1" type="body"/>
@@ -1151,7 +1151,7 @@
   <p:cSld>
     <p:spTree>
       <p:nvGrpSpPr>
-        <p:cNvPr id="250" name="Shape 250"/>
+        <p:cNvPr id="251" name="Shape 251"/>
         <p:cNvGrpSpPr/>
         <p:nvPr/>
       </p:nvGrpSpPr>
@@ -1165,7 +1165,7 @@
       </p:grpSpPr>
       <p:sp>
         <p:nvSpPr>
-          <p:cNvPr id="251" name="Shape 251"/>
+          <p:cNvPr id="252" name="Shape 252"/>
           <p:cNvSpPr/>
           <p:nvPr>
             <p:ph idx="2" type="sldImg"/>
@@ -1199,7 +1199,7 @@
       </p:sp>
       <p:sp>
         <p:nvSpPr>
-          <p:cNvPr id="252" name="Shape 252"/>
+          <p:cNvPr id="253" name="Shape 253"/>
           <p:cNvSpPr txBox="1"/>
           <p:nvPr>
             <p:ph idx="1" type="body"/>
@@ -1246,7 +1246,7 @@
   <p:cSld>
     <p:spTree>
       <p:nvGrpSpPr>
-        <p:cNvPr id="269" name="Shape 269"/>
+        <p:cNvPr id="270" name="Shape 270"/>
         <p:cNvGrpSpPr/>
         <p:nvPr/>
       </p:nvGrpSpPr>
@@ -1260,7 +1260,7 @@
       </p:grpSpPr>
       <p:sp>
         <p:nvSpPr>
-          <p:cNvPr id="270" name="Shape 270"/>
+          <p:cNvPr id="271" name="Shape 271"/>
           <p:cNvSpPr/>
           <p:nvPr>
             <p:ph idx="2" type="sldImg"/>
@@ -1294,7 +1294,7 @@
       </p:sp>
       <p:sp>
         <p:nvSpPr>
-          <p:cNvPr id="271" name="Shape 271"/>
+          <p:cNvPr id="272" name="Shape 272"/>
           <p:cNvSpPr txBox="1"/>
           <p:nvPr>
             <p:ph idx="1" type="body"/>
@@ -1341,7 +1341,7 @@
   <p:cSld>
     <p:spTree>
       <p:nvGrpSpPr>
-        <p:cNvPr id="297" name="Shape 297"/>
+        <p:cNvPr id="298" name="Shape 298"/>
         <p:cNvGrpSpPr/>
         <p:nvPr/>
       </p:nvGrpSpPr>
@@ -1355,7 +1355,7 @@
       </p:grpSpPr>
       <p:sp>
         <p:nvSpPr>
-          <p:cNvPr id="298" name="Shape 298"/>
+          <p:cNvPr id="299" name="Shape 299"/>
           <p:cNvSpPr/>
           <p:nvPr>
             <p:ph idx="2" type="sldImg"/>
@@ -1389,7 +1389,7 @@
       </p:sp>
       <p:sp>
         <p:nvSpPr>
-          <p:cNvPr id="299" name="Shape 299"/>
+          <p:cNvPr id="300" name="Shape 300"/>
           <p:cNvSpPr txBox="1"/>
           <p:nvPr>
             <p:ph idx="1" type="body"/>
@@ -1531,7 +1531,7 @@
   <p:cSld>
     <p:spTree>
       <p:nvGrpSpPr>
-        <p:cNvPr id="321" name="Shape 321"/>
+        <p:cNvPr id="322" name="Shape 322"/>
         <p:cNvGrpSpPr/>
         <p:nvPr/>
       </p:nvGrpSpPr>
@@ -1545,7 +1545,7 @@
       </p:grpSpPr>
       <p:sp>
         <p:nvSpPr>
-          <p:cNvPr id="322" name="Shape 322"/>
+          <p:cNvPr id="323" name="Shape 323"/>
           <p:cNvSpPr/>
           <p:nvPr>
             <p:ph idx="2" type="sldImg"/>
@@ -1579,7 +1579,7 @@
       </p:sp>
       <p:sp>
         <p:nvSpPr>
-          <p:cNvPr id="323" name="Shape 323"/>
+          <p:cNvPr id="324" name="Shape 324"/>
           <p:cNvSpPr txBox="1"/>
           <p:nvPr>
             <p:ph idx="1" type="body"/>
@@ -1626,7 +1626,7 @@
   <p:cSld>
     <p:spTree>
       <p:nvGrpSpPr>
-        <p:cNvPr id="334" name="Shape 334"/>
+        <p:cNvPr id="335" name="Shape 335"/>
         <p:cNvGrpSpPr/>
         <p:nvPr/>
       </p:nvGrpSpPr>
@@ -1640,7 +1640,7 @@
       </p:grpSpPr>
       <p:sp>
         <p:nvSpPr>
-          <p:cNvPr id="335" name="Shape 335"/>
+          <p:cNvPr id="336" name="Shape 336"/>
           <p:cNvSpPr/>
           <p:nvPr>
             <p:ph idx="2" type="sldImg"/>
@@ -1674,7 +1674,7 @@
       </p:sp>
       <p:sp>
         <p:nvSpPr>
-          <p:cNvPr id="336" name="Shape 336"/>
+          <p:cNvPr id="337" name="Shape 337"/>
           <p:cNvSpPr txBox="1"/>
           <p:nvPr>
             <p:ph idx="1" type="body"/>
@@ -10590,6 +10590,55 @@
           </a:ln>
         </p:spPr>
       </p:cxnSp>
+      <p:sp>
+        <p:nvSpPr>
+          <p:cNvPr id="197" name="Shape 197"/>
+          <p:cNvSpPr/>
+          <p:nvPr/>
+        </p:nvSpPr>
+        <p:spPr>
+          <a:xfrm>
+            <a:off x="5247625" y="5293075"/>
+            <a:ext cx="2328900" cy="643500"/>
+          </a:xfrm>
+          <a:prstGeom prst="wedgeRectCallout">
+            <a:avLst>
+              <a:gd fmla="val 19750" name="adj1"/>
+              <a:gd fmla="val -118465" name="adj2"/>
+            </a:avLst>
+          </a:prstGeom>
+          <a:solidFill>
+            <a:srgbClr val="FFFFFF"/>
+          </a:solidFill>
+          <a:ln cap="flat" cmpd="sng" w="19050">
+            <a:solidFill>
+              <a:srgbClr val="3C78D8"/>
+            </a:solidFill>
+            <a:prstDash val="solid"/>
+            <a:round/>
+            <a:headEnd len="med" w="med" type="none"/>
+            <a:tailEnd len="med" w="med" type="none"/>
+          </a:ln>
+        </p:spPr>
+        <p:txBody>
+          <a:bodyPr anchorCtr="0" anchor="ctr" bIns="91425" lIns="91425" rIns="91425" tIns="91425">
+            <a:noAutofit/>
+          </a:bodyPr>
+          <a:lstStyle/>
+          <a:p>
+            <a:pPr lvl="0" rtl="0">
+              <a:spcBef>
+                <a:spcPts val="0"/>
+              </a:spcBef>
+              <a:buNone/>
+            </a:pPr>
+            <a:r>
+              <a:rPr lang="en"/>
+              <a:t>Local variables are lost</a:t>
+            </a:r>
+          </a:p>
+        </p:txBody>
+      </p:sp>
     </p:spTree>
   </p:cSld>
   <p:clrMapOvr>
@@ -10603,7 +10652,7 @@
   <p:cSld>
     <p:spTree>
       <p:nvGrpSpPr>
-        <p:cNvPr id="200" name="Shape 200"/>
+        <p:cNvPr id="201" name="Shape 201"/>
         <p:cNvGrpSpPr/>
         <p:nvPr/>
       </p:nvGrpSpPr>
@@ -10617,7 +10666,7 @@
       </p:grpSpPr>
       <p:sp>
         <p:nvSpPr>
-          <p:cNvPr id="201" name="Shape 201"/>
+          <p:cNvPr id="202" name="Shape 202"/>
           <p:cNvSpPr txBox="1"/>
           <p:nvPr>
             <p:ph type="title"/>
@@ -10658,7 +10707,7 @@
       </p:sp>
       <p:sp>
         <p:nvSpPr>
-          <p:cNvPr id="202" name="Shape 202"/>
+          <p:cNvPr id="203" name="Shape 203"/>
           <p:cNvSpPr txBox="1"/>
           <p:nvPr>
             <p:ph idx="1" type="body"/>
@@ -11512,7 +11561,7 @@
       </p:sp>
       <p:sp>
         <p:nvSpPr>
-          <p:cNvPr id="203" name="Shape 203"/>
+          <p:cNvPr id="204" name="Shape 204"/>
           <p:cNvSpPr/>
           <p:nvPr/>
         </p:nvSpPr>
@@ -11558,7 +11607,7 @@
       </p:sp>
       <p:sp>
         <p:nvSpPr>
-          <p:cNvPr id="204" name="Shape 204"/>
+          <p:cNvPr id="205" name="Shape 205"/>
           <p:cNvSpPr/>
           <p:nvPr/>
         </p:nvSpPr>
@@ -11604,7 +11653,7 @@
       </p:sp>
       <p:sp>
         <p:nvSpPr>
-          <p:cNvPr id="205" name="Shape 205"/>
+          <p:cNvPr id="206" name="Shape 206"/>
           <p:cNvSpPr txBox="1"/>
           <p:nvPr/>
         </p:nvSpPr>
@@ -11642,7 +11691,7 @@
       </p:sp>
       <p:sp>
         <p:nvSpPr>
-          <p:cNvPr id="206" name="Shape 206"/>
+          <p:cNvPr id="207" name="Shape 207"/>
           <p:cNvSpPr txBox="1"/>
           <p:nvPr/>
         </p:nvSpPr>
@@ -11680,7 +11729,7 @@
       </p:sp>
       <p:sp>
         <p:nvSpPr>
-          <p:cNvPr id="207" name="Shape 207"/>
+          <p:cNvPr id="208" name="Shape 208"/>
           <p:cNvSpPr/>
           <p:nvPr/>
         </p:nvSpPr>
@@ -11729,7 +11778,7 @@
       </p:sp>
       <p:sp>
         <p:nvSpPr>
-          <p:cNvPr id="208" name="Shape 208"/>
+          <p:cNvPr id="209" name="Shape 209"/>
           <p:cNvSpPr txBox="1"/>
           <p:nvPr/>
         </p:nvSpPr>
@@ -11780,7 +11829,7 @@
       </p:sp>
       <p:sp>
         <p:nvSpPr>
-          <p:cNvPr id="209" name="Shape 209"/>
+          <p:cNvPr id="210" name="Shape 210"/>
           <p:cNvSpPr txBox="1"/>
           <p:nvPr/>
         </p:nvSpPr>
@@ -11831,7 +11880,7 @@
       </p:sp>
       <p:cxnSp>
         <p:nvCxnSpPr>
-          <p:cNvPr id="210" name="Shape 210"/>
+          <p:cNvPr id="211" name="Shape 211"/>
           <p:cNvCxnSpPr/>
           <p:nvPr/>
         </p:nvCxnSpPr>
@@ -11859,7 +11908,7 @@
       </p:cxnSp>
       <p:cxnSp>
         <p:nvCxnSpPr>
-          <p:cNvPr id="211" name="Shape 211"/>
+          <p:cNvPr id="212" name="Shape 212"/>
           <p:cNvCxnSpPr/>
           <p:nvPr/>
         </p:nvCxnSpPr>
@@ -11896,7 +11945,7 @@
   <p:cSld>
     <p:spTree>
       <p:nvGrpSpPr>
-        <p:cNvPr id="215" name="Shape 215"/>
+        <p:cNvPr id="216" name="Shape 216"/>
         <p:cNvGrpSpPr/>
         <p:nvPr/>
       </p:nvGrpSpPr>
@@ -11910,7 +11959,7 @@
       </p:grpSpPr>
       <p:sp>
         <p:nvSpPr>
-          <p:cNvPr id="216" name="Shape 216"/>
+          <p:cNvPr id="217" name="Shape 217"/>
           <p:cNvSpPr txBox="1"/>
           <p:nvPr>
             <p:ph type="title"/>
@@ -11951,7 +12000,7 @@
       </p:sp>
       <p:sp>
         <p:nvSpPr>
-          <p:cNvPr id="217" name="Shape 217"/>
+          <p:cNvPr id="218" name="Shape 218"/>
           <p:cNvSpPr txBox="1"/>
           <p:nvPr>
             <p:ph idx="1" type="body"/>
@@ -12805,7 +12854,7 @@
       </p:sp>
       <p:sp>
         <p:nvSpPr>
-          <p:cNvPr id="218" name="Shape 218"/>
+          <p:cNvPr id="219" name="Shape 219"/>
           <p:cNvSpPr/>
           <p:nvPr/>
         </p:nvSpPr>
@@ -12851,7 +12900,7 @@
       </p:sp>
       <p:sp>
         <p:nvSpPr>
-          <p:cNvPr id="219" name="Shape 219"/>
+          <p:cNvPr id="220" name="Shape 220"/>
           <p:cNvSpPr/>
           <p:nvPr/>
         </p:nvSpPr>
@@ -12897,7 +12946,7 @@
       </p:sp>
       <p:sp>
         <p:nvSpPr>
-          <p:cNvPr id="220" name="Shape 220"/>
+          <p:cNvPr id="221" name="Shape 221"/>
           <p:cNvSpPr txBox="1"/>
           <p:nvPr/>
         </p:nvSpPr>
@@ -12935,7 +12984,7 @@
       </p:sp>
       <p:sp>
         <p:nvSpPr>
-          <p:cNvPr id="221" name="Shape 221"/>
+          <p:cNvPr id="222" name="Shape 222"/>
           <p:cNvSpPr txBox="1"/>
           <p:nvPr/>
         </p:nvSpPr>
@@ -12973,7 +13022,7 @@
       </p:sp>
       <p:sp>
         <p:nvSpPr>
-          <p:cNvPr id="222" name="Shape 222"/>
+          <p:cNvPr id="223" name="Shape 223"/>
           <p:cNvSpPr/>
           <p:nvPr/>
         </p:nvSpPr>
@@ -13022,7 +13071,7 @@
       </p:sp>
       <p:sp>
         <p:nvSpPr>
-          <p:cNvPr id="223" name="Shape 223"/>
+          <p:cNvPr id="224" name="Shape 224"/>
           <p:cNvSpPr txBox="1"/>
           <p:nvPr/>
         </p:nvSpPr>
@@ -13073,7 +13122,7 @@
       </p:sp>
       <p:sp>
         <p:nvSpPr>
-          <p:cNvPr id="224" name="Shape 224"/>
+          <p:cNvPr id="225" name="Shape 225"/>
           <p:cNvSpPr txBox="1"/>
           <p:nvPr/>
         </p:nvSpPr>
@@ -13124,7 +13173,7 @@
       </p:sp>
       <p:sp>
         <p:nvSpPr>
-          <p:cNvPr id="225" name="Shape 225"/>
+          <p:cNvPr id="226" name="Shape 226"/>
           <p:cNvSpPr txBox="1"/>
           <p:nvPr/>
         </p:nvSpPr>
@@ -13186,7 +13235,7 @@
   <p:cSld>
     <p:spTree>
       <p:nvGrpSpPr>
-        <p:cNvPr id="229" name="Shape 229"/>
+        <p:cNvPr id="230" name="Shape 230"/>
         <p:cNvGrpSpPr/>
         <p:nvPr/>
       </p:nvGrpSpPr>
@@ -13200,7 +13249,7 @@
       </p:grpSpPr>
       <p:sp>
         <p:nvSpPr>
-          <p:cNvPr id="230" name="Shape 230"/>
+          <p:cNvPr id="231" name="Shape 231"/>
           <p:cNvSpPr txBox="1"/>
           <p:nvPr>
             <p:ph type="title"/>
@@ -13241,7 +13290,7 @@
       </p:sp>
       <p:sp>
         <p:nvSpPr>
-          <p:cNvPr id="231" name="Shape 231"/>
+          <p:cNvPr id="232" name="Shape 232"/>
           <p:cNvSpPr txBox="1"/>
           <p:nvPr>
             <p:ph idx="1" type="body"/>
@@ -14095,7 +14144,7 @@
       </p:sp>
       <p:sp>
         <p:nvSpPr>
-          <p:cNvPr id="232" name="Shape 232"/>
+          <p:cNvPr id="233" name="Shape 233"/>
           <p:cNvSpPr/>
           <p:nvPr/>
         </p:nvSpPr>
@@ -14141,7 +14190,7 @@
       </p:sp>
       <p:sp>
         <p:nvSpPr>
-          <p:cNvPr id="233" name="Shape 233"/>
+          <p:cNvPr id="234" name="Shape 234"/>
           <p:cNvSpPr/>
           <p:nvPr/>
         </p:nvSpPr>
@@ -14187,7 +14236,7 @@
       </p:sp>
       <p:sp>
         <p:nvSpPr>
-          <p:cNvPr id="234" name="Shape 234"/>
+          <p:cNvPr id="235" name="Shape 235"/>
           <p:cNvSpPr txBox="1"/>
           <p:nvPr/>
         </p:nvSpPr>
@@ -14225,7 +14274,7 @@
       </p:sp>
       <p:sp>
         <p:nvSpPr>
-          <p:cNvPr id="235" name="Shape 235"/>
+          <p:cNvPr id="236" name="Shape 236"/>
           <p:cNvSpPr txBox="1"/>
           <p:nvPr/>
         </p:nvSpPr>
@@ -14263,7 +14312,7 @@
       </p:sp>
       <p:sp>
         <p:nvSpPr>
-          <p:cNvPr id="236" name="Shape 236"/>
+          <p:cNvPr id="237" name="Shape 237"/>
           <p:cNvSpPr/>
           <p:nvPr/>
         </p:nvSpPr>
@@ -14312,7 +14361,7 @@
       </p:sp>
       <p:sp>
         <p:nvSpPr>
-          <p:cNvPr id="237" name="Shape 237"/>
+          <p:cNvPr id="238" name="Shape 238"/>
           <p:cNvSpPr txBox="1"/>
           <p:nvPr/>
         </p:nvSpPr>
@@ -14363,7 +14412,7 @@
       </p:sp>
       <p:sp>
         <p:nvSpPr>
-          <p:cNvPr id="238" name="Shape 238"/>
+          <p:cNvPr id="239" name="Shape 239"/>
           <p:cNvSpPr txBox="1"/>
           <p:nvPr/>
         </p:nvSpPr>
@@ -14414,7 +14463,7 @@
       </p:sp>
       <p:sp>
         <p:nvSpPr>
-          <p:cNvPr id="239" name="Shape 239"/>
+          <p:cNvPr id="240" name="Shape 240"/>
           <p:cNvSpPr txBox="1"/>
           <p:nvPr/>
         </p:nvSpPr>
@@ -14465,7 +14514,7 @@
       </p:sp>
       <p:sp>
         <p:nvSpPr>
-          <p:cNvPr id="240" name="Shape 240"/>
+          <p:cNvPr id="241" name="Shape 241"/>
           <p:cNvSpPr txBox="1"/>
           <p:nvPr/>
         </p:nvSpPr>
@@ -14516,7 +14565,7 @@
       </p:sp>
       <p:sp>
         <p:nvSpPr>
-          <p:cNvPr id="241" name="Shape 241"/>
+          <p:cNvPr id="242" name="Shape 242"/>
           <p:cNvSpPr txBox="1"/>
           <p:nvPr/>
         </p:nvSpPr>
@@ -14567,10 +14616,10 @@
       </p:sp>
       <p:cxnSp>
         <p:nvCxnSpPr>
-          <p:cNvPr id="242" name="Shape 242"/>
+          <p:cNvPr id="243" name="Shape 243"/>
           <p:cNvCxnSpPr>
-            <a:stCxn id="243" idx="3"/>
-            <a:endCxn id="240" idx="1"/>
+            <a:stCxn id="244" idx="3"/>
+            <a:endCxn id="241" idx="1"/>
           </p:cNvCxnSpPr>
           <p:nvPr/>
         </p:nvCxnSpPr>
@@ -14598,7 +14647,7 @@
       </p:cxnSp>
       <p:sp>
         <p:nvSpPr>
-          <p:cNvPr id="244" name="Shape 244"/>
+          <p:cNvPr id="245" name="Shape 245"/>
           <p:cNvSpPr txBox="1"/>
           <p:nvPr/>
         </p:nvSpPr>
@@ -14649,7 +14698,7 @@
       </p:sp>
       <p:cxnSp>
         <p:nvCxnSpPr>
-          <p:cNvPr id="245" name="Shape 245"/>
+          <p:cNvPr id="246" name="Shape 246"/>
           <p:cNvCxnSpPr/>
           <p:nvPr/>
         </p:nvCxnSpPr>
@@ -14677,7 +14726,7 @@
       </p:cxnSp>
       <p:cxnSp>
         <p:nvCxnSpPr>
-          <p:cNvPr id="246" name="Shape 246"/>
+          <p:cNvPr id="247" name="Shape 247"/>
           <p:cNvCxnSpPr/>
           <p:nvPr/>
         </p:nvCxnSpPr>
@@ -14703,7 +14752,7 @@
       </p:cxnSp>
       <p:sp>
         <p:nvSpPr>
-          <p:cNvPr id="247" name="Shape 247"/>
+          <p:cNvPr id="248" name="Shape 248"/>
           <p:cNvSpPr/>
           <p:nvPr/>
         </p:nvSpPr>
@@ -14765,7 +14814,7 @@
       </p:sp>
       <p:sp>
         <p:nvSpPr>
-          <p:cNvPr id="248" name="Shape 248"/>
+          <p:cNvPr id="249" name="Shape 249"/>
           <p:cNvSpPr txBox="1"/>
           <p:nvPr/>
         </p:nvSpPr>
@@ -14816,7 +14865,7 @@
       </p:sp>
       <p:sp>
         <p:nvSpPr>
-          <p:cNvPr id="249" name="Shape 249"/>
+          <p:cNvPr id="250" name="Shape 250"/>
           <p:cNvSpPr txBox="1"/>
           <p:nvPr/>
         </p:nvSpPr>
@@ -14867,7 +14916,7 @@
       </p:sp>
       <p:sp>
         <p:nvSpPr>
-          <p:cNvPr id="243" name="Shape 243"/>
+          <p:cNvPr id="244" name="Shape 244"/>
           <p:cNvSpPr txBox="1"/>
           <p:nvPr/>
         </p:nvSpPr>
@@ -14929,7 +14978,7 @@
   <p:cSld>
     <p:spTree>
       <p:nvGrpSpPr>
-        <p:cNvPr id="253" name="Shape 253"/>
+        <p:cNvPr id="254" name="Shape 254"/>
         <p:cNvGrpSpPr/>
         <p:nvPr/>
       </p:nvGrpSpPr>
@@ -14943,7 +14992,7 @@
       </p:grpSpPr>
       <p:sp>
         <p:nvSpPr>
-          <p:cNvPr id="254" name="Shape 254"/>
+          <p:cNvPr id="255" name="Shape 255"/>
           <p:cNvSpPr txBox="1"/>
           <p:nvPr>
             <p:ph type="title"/>
@@ -14984,7 +15033,7 @@
       </p:sp>
       <p:sp>
         <p:nvSpPr>
-          <p:cNvPr id="255" name="Shape 255"/>
+          <p:cNvPr id="256" name="Shape 256"/>
           <p:cNvSpPr txBox="1"/>
           <p:nvPr>
             <p:ph idx="1" type="body"/>
@@ -15838,7 +15887,7 @@
       </p:sp>
       <p:sp>
         <p:nvSpPr>
-          <p:cNvPr id="256" name="Shape 256"/>
+          <p:cNvPr id="257" name="Shape 257"/>
           <p:cNvSpPr/>
           <p:nvPr/>
         </p:nvSpPr>
@@ -15884,7 +15933,7 @@
       </p:sp>
       <p:sp>
         <p:nvSpPr>
-          <p:cNvPr id="257" name="Shape 257"/>
+          <p:cNvPr id="258" name="Shape 258"/>
           <p:cNvSpPr/>
           <p:nvPr/>
         </p:nvSpPr>
@@ -15930,7 +15979,7 @@
       </p:sp>
       <p:sp>
         <p:nvSpPr>
-          <p:cNvPr id="258" name="Shape 258"/>
+          <p:cNvPr id="259" name="Shape 259"/>
           <p:cNvSpPr txBox="1"/>
           <p:nvPr/>
         </p:nvSpPr>
@@ -15968,7 +16017,7 @@
       </p:sp>
       <p:sp>
         <p:nvSpPr>
-          <p:cNvPr id="259" name="Shape 259"/>
+          <p:cNvPr id="260" name="Shape 260"/>
           <p:cNvSpPr txBox="1"/>
           <p:nvPr/>
         </p:nvSpPr>
@@ -16006,7 +16055,7 @@
       </p:sp>
       <p:sp>
         <p:nvSpPr>
-          <p:cNvPr id="260" name="Shape 260"/>
+          <p:cNvPr id="261" name="Shape 261"/>
           <p:cNvSpPr/>
           <p:nvPr/>
         </p:nvSpPr>
@@ -16055,7 +16104,7 @@
       </p:sp>
       <p:sp>
         <p:nvSpPr>
-          <p:cNvPr id="261" name="Shape 261"/>
+          <p:cNvPr id="262" name="Shape 262"/>
           <p:cNvSpPr txBox="1"/>
           <p:nvPr/>
         </p:nvSpPr>
@@ -16106,7 +16155,7 @@
       </p:sp>
       <p:sp>
         <p:nvSpPr>
-          <p:cNvPr id="262" name="Shape 262"/>
+          <p:cNvPr id="263" name="Shape 263"/>
           <p:cNvSpPr txBox="1"/>
           <p:nvPr/>
         </p:nvSpPr>
@@ -16157,7 +16206,7 @@
       </p:sp>
       <p:sp>
         <p:nvSpPr>
-          <p:cNvPr id="263" name="Shape 263"/>
+          <p:cNvPr id="264" name="Shape 264"/>
           <p:cNvSpPr txBox="1"/>
           <p:nvPr/>
         </p:nvSpPr>
@@ -16208,7 +16257,7 @@
       </p:sp>
       <p:sp>
         <p:nvSpPr>
-          <p:cNvPr id="264" name="Shape 264"/>
+          <p:cNvPr id="265" name="Shape 265"/>
           <p:cNvSpPr txBox="1"/>
           <p:nvPr/>
         </p:nvSpPr>
@@ -16259,7 +16308,7 @@
       </p:sp>
       <p:sp>
         <p:nvSpPr>
-          <p:cNvPr id="265" name="Shape 265"/>
+          <p:cNvPr id="266" name="Shape 266"/>
           <p:cNvSpPr txBox="1"/>
           <p:nvPr/>
         </p:nvSpPr>
@@ -16310,7 +16359,7 @@
       </p:sp>
       <p:cxnSp>
         <p:nvCxnSpPr>
-          <p:cNvPr id="266" name="Shape 266"/>
+          <p:cNvPr id="267" name="Shape 267"/>
           <p:cNvCxnSpPr/>
           <p:nvPr/>
         </p:nvCxnSpPr>
@@ -16338,7 +16387,7 @@
       </p:cxnSp>
       <p:sp>
         <p:nvSpPr>
-          <p:cNvPr id="267" name="Shape 267"/>
+          <p:cNvPr id="268" name="Shape 268"/>
           <p:cNvSpPr txBox="1"/>
           <p:nvPr/>
         </p:nvSpPr>
@@ -16392,7 +16441,7 @@
       </p:sp>
       <p:sp>
         <p:nvSpPr>
-          <p:cNvPr id="268" name="Shape 268"/>
+          <p:cNvPr id="269" name="Shape 269"/>
           <p:cNvSpPr/>
           <p:nvPr/>
         </p:nvSpPr>
@@ -16452,7 +16501,7 @@
   <p:cSld>
     <p:spTree>
       <p:nvGrpSpPr>
-        <p:cNvPr id="272" name="Shape 272"/>
+        <p:cNvPr id="273" name="Shape 273"/>
         <p:cNvGrpSpPr/>
         <p:nvPr/>
       </p:nvGrpSpPr>
@@ -16466,7 +16515,7 @@
       </p:grpSpPr>
       <p:sp>
         <p:nvSpPr>
-          <p:cNvPr id="273" name="Shape 273"/>
+          <p:cNvPr id="274" name="Shape 274"/>
           <p:cNvSpPr txBox="1"/>
           <p:nvPr>
             <p:ph type="title"/>
@@ -16507,7 +16556,7 @@
       </p:sp>
       <p:sp>
         <p:nvSpPr>
-          <p:cNvPr id="274" name="Shape 274"/>
+          <p:cNvPr id="275" name="Shape 275"/>
           <p:cNvSpPr txBox="1"/>
           <p:nvPr>
             <p:ph idx="1" type="body"/>
@@ -17361,7 +17410,7 @@
       </p:sp>
       <p:sp>
         <p:nvSpPr>
-          <p:cNvPr id="275" name="Shape 275"/>
+          <p:cNvPr id="276" name="Shape 276"/>
           <p:cNvSpPr/>
           <p:nvPr/>
         </p:nvSpPr>
@@ -17407,7 +17456,7 @@
       </p:sp>
       <p:sp>
         <p:nvSpPr>
-          <p:cNvPr id="276" name="Shape 276"/>
+          <p:cNvPr id="277" name="Shape 277"/>
           <p:cNvSpPr/>
           <p:nvPr/>
         </p:nvSpPr>
@@ -17453,7 +17502,7 @@
       </p:sp>
       <p:sp>
         <p:nvSpPr>
-          <p:cNvPr id="277" name="Shape 277"/>
+          <p:cNvPr id="278" name="Shape 278"/>
           <p:cNvSpPr txBox="1"/>
           <p:nvPr/>
         </p:nvSpPr>
@@ -17491,7 +17540,7 @@
       </p:sp>
       <p:sp>
         <p:nvSpPr>
-          <p:cNvPr id="278" name="Shape 278"/>
+          <p:cNvPr id="279" name="Shape 279"/>
           <p:cNvSpPr txBox="1"/>
           <p:nvPr/>
         </p:nvSpPr>
@@ -17529,7 +17578,7 @@
       </p:sp>
       <p:sp>
         <p:nvSpPr>
-          <p:cNvPr id="279" name="Shape 279"/>
+          <p:cNvPr id="280" name="Shape 280"/>
           <p:cNvSpPr/>
           <p:nvPr/>
         </p:nvSpPr>
@@ -17578,7 +17627,7 @@
       </p:sp>
       <p:sp>
         <p:nvSpPr>
-          <p:cNvPr id="280" name="Shape 280"/>
+          <p:cNvPr id="281" name="Shape 281"/>
           <p:cNvSpPr txBox="1"/>
           <p:nvPr/>
         </p:nvSpPr>
@@ -17629,7 +17678,7 @@
       </p:sp>
       <p:sp>
         <p:nvSpPr>
-          <p:cNvPr id="281" name="Shape 281"/>
+          <p:cNvPr id="282" name="Shape 282"/>
           <p:cNvSpPr txBox="1"/>
           <p:nvPr/>
         </p:nvSpPr>
@@ -17680,7 +17729,7 @@
       </p:sp>
       <p:sp>
         <p:nvSpPr>
-          <p:cNvPr id="282" name="Shape 282"/>
+          <p:cNvPr id="283" name="Shape 283"/>
           <p:cNvSpPr txBox="1"/>
           <p:nvPr/>
         </p:nvSpPr>
@@ -17731,7 +17780,7 @@
       </p:sp>
       <p:sp>
         <p:nvSpPr>
-          <p:cNvPr id="283" name="Shape 283"/>
+          <p:cNvPr id="284" name="Shape 284"/>
           <p:cNvSpPr txBox="1"/>
           <p:nvPr/>
         </p:nvSpPr>
@@ -17782,10 +17831,10 @@
       </p:sp>
       <p:cxnSp>
         <p:nvCxnSpPr>
-          <p:cNvPr id="284" name="Shape 284"/>
+          <p:cNvPr id="285" name="Shape 285"/>
           <p:cNvCxnSpPr>
-            <a:stCxn id="285" idx="3"/>
-            <a:endCxn id="283" idx="1"/>
+            <a:stCxn id="286" idx="3"/>
+            <a:endCxn id="284" idx="1"/>
           </p:cNvCxnSpPr>
           <p:nvPr/>
         </p:nvCxnSpPr>
@@ -17813,7 +17862,7 @@
       </p:cxnSp>
       <p:sp>
         <p:nvSpPr>
-          <p:cNvPr id="286" name="Shape 286"/>
+          <p:cNvPr id="287" name="Shape 287"/>
           <p:cNvSpPr txBox="1"/>
           <p:nvPr/>
         </p:nvSpPr>
@@ -17864,7 +17913,7 @@
       </p:sp>
       <p:cxnSp>
         <p:nvCxnSpPr>
-          <p:cNvPr id="287" name="Shape 287"/>
+          <p:cNvPr id="288" name="Shape 288"/>
           <p:cNvCxnSpPr/>
           <p:nvPr/>
         </p:nvCxnSpPr>
@@ -17892,7 +17941,7 @@
       </p:cxnSp>
       <p:cxnSp>
         <p:nvCxnSpPr>
-          <p:cNvPr id="288" name="Shape 288"/>
+          <p:cNvPr id="289" name="Shape 289"/>
           <p:cNvCxnSpPr/>
           <p:nvPr/>
         </p:nvCxnSpPr>
@@ -17918,7 +17967,7 @@
       </p:cxnSp>
       <p:cxnSp>
         <p:nvCxnSpPr>
-          <p:cNvPr id="289" name="Shape 289"/>
+          <p:cNvPr id="290" name="Shape 290"/>
           <p:cNvCxnSpPr/>
           <p:nvPr/>
         </p:nvCxnSpPr>
@@ -17946,7 +17995,7 @@
       </p:cxnSp>
       <p:cxnSp>
         <p:nvCxnSpPr>
-          <p:cNvPr id="290" name="Shape 290"/>
+          <p:cNvPr id="291" name="Shape 291"/>
           <p:cNvCxnSpPr/>
           <p:nvPr/>
         </p:nvCxnSpPr>
@@ -17972,7 +18021,7 @@
       </p:cxnSp>
       <p:sp>
         <p:nvSpPr>
-          <p:cNvPr id="291" name="Shape 291"/>
+          <p:cNvPr id="292" name="Shape 292"/>
           <p:cNvSpPr txBox="1"/>
           <p:nvPr/>
         </p:nvSpPr>
@@ -18023,7 +18072,7 @@
       </p:sp>
       <p:sp>
         <p:nvSpPr>
-          <p:cNvPr id="292" name="Shape 292"/>
+          <p:cNvPr id="293" name="Shape 293"/>
           <p:cNvSpPr txBox="1"/>
           <p:nvPr/>
         </p:nvSpPr>
@@ -18074,7 +18123,7 @@
       </p:sp>
       <p:sp>
         <p:nvSpPr>
-          <p:cNvPr id="293" name="Shape 293"/>
+          <p:cNvPr id="294" name="Shape 294"/>
           <p:cNvSpPr txBox="1"/>
           <p:nvPr/>
         </p:nvSpPr>
@@ -18125,7 +18174,7 @@
       </p:sp>
       <p:sp>
         <p:nvSpPr>
-          <p:cNvPr id="294" name="Shape 294"/>
+          <p:cNvPr id="295" name="Shape 295"/>
           <p:cNvSpPr txBox="1"/>
           <p:nvPr/>
         </p:nvSpPr>
@@ -18176,7 +18225,7 @@
       </p:sp>
       <p:sp>
         <p:nvSpPr>
-          <p:cNvPr id="285" name="Shape 285"/>
+          <p:cNvPr id="286" name="Shape 286"/>
           <p:cNvSpPr txBox="1"/>
           <p:nvPr/>
         </p:nvSpPr>
@@ -18227,7 +18276,7 @@
       </p:sp>
       <p:cxnSp>
         <p:nvCxnSpPr>
-          <p:cNvPr id="295" name="Shape 295"/>
+          <p:cNvPr id="296" name="Shape 296"/>
           <p:cNvCxnSpPr/>
           <p:nvPr/>
         </p:nvCxnSpPr>
@@ -18255,7 +18304,7 @@
       </p:cxnSp>
       <p:cxnSp>
         <p:nvCxnSpPr>
-          <p:cNvPr id="296" name="Shape 296"/>
+          <p:cNvPr id="297" name="Shape 297"/>
           <p:cNvCxnSpPr/>
           <p:nvPr/>
         </p:nvCxnSpPr>
@@ -18292,7 +18341,7 @@
   <p:cSld>
     <p:spTree>
       <p:nvGrpSpPr>
-        <p:cNvPr id="300" name="Shape 300"/>
+        <p:cNvPr id="301" name="Shape 301"/>
         <p:cNvGrpSpPr/>
         <p:nvPr/>
       </p:nvGrpSpPr>
@@ -18306,7 +18355,7 @@
       </p:grpSpPr>
       <p:sp>
         <p:nvSpPr>
-          <p:cNvPr id="301" name="Shape 301"/>
+          <p:cNvPr id="302" name="Shape 302"/>
           <p:cNvSpPr txBox="1"/>
           <p:nvPr>
             <p:ph type="title"/>
@@ -18347,7 +18396,7 @@
       </p:sp>
       <p:sp>
         <p:nvSpPr>
-          <p:cNvPr id="302" name="Shape 302"/>
+          <p:cNvPr id="303" name="Shape 303"/>
           <p:cNvSpPr txBox="1"/>
           <p:nvPr>
             <p:ph idx="1" type="body"/>
@@ -19201,7 +19250,7 @@
       </p:sp>
       <p:sp>
         <p:nvSpPr>
-          <p:cNvPr id="303" name="Shape 303"/>
+          <p:cNvPr id="304" name="Shape 304"/>
           <p:cNvSpPr/>
           <p:nvPr/>
         </p:nvSpPr>
@@ -19247,7 +19296,7 @@
       </p:sp>
       <p:sp>
         <p:nvSpPr>
-          <p:cNvPr id="304" name="Shape 304"/>
+          <p:cNvPr id="305" name="Shape 305"/>
           <p:cNvSpPr/>
           <p:nvPr/>
         </p:nvSpPr>
@@ -19293,7 +19342,7 @@
       </p:sp>
       <p:sp>
         <p:nvSpPr>
-          <p:cNvPr id="305" name="Shape 305"/>
+          <p:cNvPr id="306" name="Shape 306"/>
           <p:cNvSpPr txBox="1"/>
           <p:nvPr/>
         </p:nvSpPr>
@@ -19331,7 +19380,7 @@
       </p:sp>
       <p:sp>
         <p:nvSpPr>
-          <p:cNvPr id="306" name="Shape 306"/>
+          <p:cNvPr id="307" name="Shape 307"/>
           <p:cNvSpPr txBox="1"/>
           <p:nvPr/>
         </p:nvSpPr>
@@ -19369,7 +19418,7 @@
       </p:sp>
       <p:sp>
         <p:nvSpPr>
-          <p:cNvPr id="307" name="Shape 307"/>
+          <p:cNvPr id="308" name="Shape 308"/>
           <p:cNvSpPr/>
           <p:nvPr/>
         </p:nvSpPr>
@@ -19418,7 +19467,7 @@
       </p:sp>
       <p:sp>
         <p:nvSpPr>
-          <p:cNvPr id="308" name="Shape 308"/>
+          <p:cNvPr id="309" name="Shape 309"/>
           <p:cNvSpPr txBox="1"/>
           <p:nvPr/>
         </p:nvSpPr>
@@ -19469,7 +19518,7 @@
       </p:sp>
       <p:sp>
         <p:nvSpPr>
-          <p:cNvPr id="309" name="Shape 309"/>
+          <p:cNvPr id="310" name="Shape 310"/>
           <p:cNvSpPr txBox="1"/>
           <p:nvPr/>
         </p:nvSpPr>
@@ -19520,7 +19569,7 @@
       </p:sp>
       <p:sp>
         <p:nvSpPr>
-          <p:cNvPr id="310" name="Shape 310"/>
+          <p:cNvPr id="311" name="Shape 311"/>
           <p:cNvSpPr txBox="1"/>
           <p:nvPr/>
         </p:nvSpPr>
@@ -19571,10 +19620,10 @@
       </p:sp>
       <p:cxnSp>
         <p:nvCxnSpPr>
-          <p:cNvPr id="311" name="Shape 311"/>
+          <p:cNvPr id="312" name="Shape 312"/>
           <p:cNvCxnSpPr>
-            <a:stCxn id="312" idx="3"/>
-            <a:endCxn id="313" idx="1"/>
+            <a:stCxn id="313" idx="3"/>
+            <a:endCxn id="314" idx="1"/>
           </p:cNvCxnSpPr>
           <p:nvPr/>
         </p:nvCxnSpPr>
@@ -19602,7 +19651,7 @@
       </p:cxnSp>
       <p:cxnSp>
         <p:nvCxnSpPr>
-          <p:cNvPr id="314" name="Shape 314"/>
+          <p:cNvPr id="315" name="Shape 315"/>
           <p:cNvCxnSpPr/>
           <p:nvPr/>
         </p:nvCxnSpPr>
@@ -19630,7 +19679,7 @@
       </p:cxnSp>
       <p:cxnSp>
         <p:nvCxnSpPr>
-          <p:cNvPr id="315" name="Shape 315"/>
+          <p:cNvPr id="316" name="Shape 316"/>
           <p:cNvCxnSpPr/>
           <p:nvPr/>
         </p:nvCxnSpPr>
@@ -19656,7 +19705,7 @@
       </p:cxnSp>
       <p:cxnSp>
         <p:nvCxnSpPr>
-          <p:cNvPr id="316" name="Shape 316"/>
+          <p:cNvPr id="317" name="Shape 317"/>
           <p:cNvCxnSpPr/>
           <p:nvPr/>
         </p:nvCxnSpPr>
@@ -19684,7 +19733,7 @@
       </p:cxnSp>
       <p:cxnSp>
         <p:nvCxnSpPr>
-          <p:cNvPr id="317" name="Shape 317"/>
+          <p:cNvPr id="318" name="Shape 318"/>
           <p:cNvCxnSpPr/>
           <p:nvPr/>
         </p:nvCxnSpPr>
@@ -19710,7 +19759,7 @@
       </p:cxnSp>
       <p:cxnSp>
         <p:nvCxnSpPr>
-          <p:cNvPr id="318" name="Shape 318"/>
+          <p:cNvPr id="319" name="Shape 319"/>
           <p:cNvCxnSpPr/>
           <p:nvPr/>
         </p:nvCxnSpPr>
@@ -19738,7 +19787,7 @@
       </p:cxnSp>
       <p:cxnSp>
         <p:nvCxnSpPr>
-          <p:cNvPr id="319" name="Shape 319"/>
+          <p:cNvPr id="320" name="Shape 320"/>
           <p:cNvCxnSpPr/>
           <p:nvPr/>
         </p:nvCxnSpPr>
@@ -19764,7 +19813,7 @@
       </p:cxnSp>
       <p:sp>
         <p:nvSpPr>
-          <p:cNvPr id="312" name="Shape 312"/>
+          <p:cNvPr id="313" name="Shape 313"/>
           <p:cNvSpPr txBox="1"/>
           <p:nvPr/>
         </p:nvSpPr>
@@ -19818,7 +19867,7 @@
       </p:sp>
       <p:sp>
         <p:nvSpPr>
-          <p:cNvPr id="313" name="Shape 313"/>
+          <p:cNvPr id="314" name="Shape 314"/>
           <p:cNvSpPr txBox="1"/>
           <p:nvPr/>
         </p:nvSpPr>
@@ -19872,7 +19921,7 @@
       </p:sp>
       <p:sp>
         <p:nvSpPr>
-          <p:cNvPr id="320" name="Shape 320"/>
+          <p:cNvPr id="321" name="Shape 321"/>
           <p:cNvSpPr/>
           <p:nvPr/>
         </p:nvSpPr>
@@ -20699,7 +20748,7 @@
               </a:pPr>
               <a:r>
                 <a:rPr lang="en"/>
-                <a:t>Co-processors, devices (HDD),  accelerators (FPGA?)</a:t>
+                <a:t>Co-processors, devices (HDD),  accelerators </a:t>
               </a:r>
             </a:p>
           </p:txBody>
@@ -20756,7 +20805,7 @@
   <p:cSld>
     <p:spTree>
       <p:nvGrpSpPr>
-        <p:cNvPr id="324" name="Shape 324"/>
+        <p:cNvPr id="325" name="Shape 325"/>
         <p:cNvGrpSpPr/>
         <p:nvPr/>
       </p:nvGrpSpPr>
@@ -20770,7 +20819,7 @@
       </p:grpSpPr>
       <p:sp>
         <p:nvSpPr>
-          <p:cNvPr id="325" name="Shape 325"/>
+          <p:cNvPr id="326" name="Shape 326"/>
           <p:cNvSpPr txBox="1"/>
           <p:nvPr>
             <p:ph type="title"/>
@@ -20811,7 +20860,7 @@
       </p:sp>
       <p:sp>
         <p:nvSpPr>
-          <p:cNvPr id="326" name="Shape 326"/>
+          <p:cNvPr id="327" name="Shape 327"/>
           <p:cNvSpPr txBox="1"/>
           <p:nvPr>
             <p:ph idx="1" type="body"/>
@@ -21665,7 +21714,7 @@
       </p:sp>
       <p:sp>
         <p:nvSpPr>
-          <p:cNvPr id="327" name="Shape 327"/>
+          <p:cNvPr id="328" name="Shape 328"/>
           <p:cNvSpPr/>
           <p:nvPr/>
         </p:nvSpPr>
@@ -21711,7 +21760,7 @@
       </p:sp>
       <p:sp>
         <p:nvSpPr>
-          <p:cNvPr id="328" name="Shape 328"/>
+          <p:cNvPr id="329" name="Shape 329"/>
           <p:cNvSpPr/>
           <p:nvPr/>
         </p:nvSpPr>
@@ -21757,7 +21806,7 @@
       </p:sp>
       <p:sp>
         <p:nvSpPr>
-          <p:cNvPr id="329" name="Shape 329"/>
+          <p:cNvPr id="330" name="Shape 330"/>
           <p:cNvSpPr txBox="1"/>
           <p:nvPr/>
         </p:nvSpPr>
@@ -21795,7 +21844,7 @@
       </p:sp>
       <p:sp>
         <p:nvSpPr>
-          <p:cNvPr id="330" name="Shape 330"/>
+          <p:cNvPr id="331" name="Shape 331"/>
           <p:cNvSpPr txBox="1"/>
           <p:nvPr/>
         </p:nvSpPr>
@@ -21833,7 +21882,7 @@
       </p:sp>
       <p:sp>
         <p:nvSpPr>
-          <p:cNvPr id="331" name="Shape 331"/>
+          <p:cNvPr id="332" name="Shape 332"/>
           <p:cNvSpPr/>
           <p:nvPr/>
         </p:nvSpPr>
@@ -21882,7 +21931,7 @@
       </p:sp>
       <p:sp>
         <p:nvSpPr>
-          <p:cNvPr id="332" name="Shape 332"/>
+          <p:cNvPr id="333" name="Shape 333"/>
           <p:cNvSpPr txBox="1"/>
           <p:nvPr/>
         </p:nvSpPr>
@@ -21933,7 +21982,7 @@
       </p:sp>
       <p:sp>
         <p:nvSpPr>
-          <p:cNvPr id="333" name="Shape 333"/>
+          <p:cNvPr id="334" name="Shape 334"/>
           <p:cNvSpPr txBox="1"/>
           <p:nvPr/>
         </p:nvSpPr>
@@ -21995,7 +22044,7 @@
   <p:cSld>
     <p:spTree>
       <p:nvGrpSpPr>
-        <p:cNvPr id="337" name="Shape 337"/>
+        <p:cNvPr id="338" name="Shape 338"/>
         <p:cNvGrpSpPr/>
         <p:nvPr/>
       </p:nvGrpSpPr>
@@ -22009,7 +22058,7 @@
       </p:grpSpPr>
       <p:sp>
         <p:nvSpPr>
-          <p:cNvPr id="338" name="Shape 338"/>
+          <p:cNvPr id="339" name="Shape 339"/>
           <p:cNvSpPr txBox="1"/>
           <p:nvPr>
             <p:ph type="title"/>
@@ -22045,7 +22094,7 @@
       </p:sp>
       <p:sp>
         <p:nvSpPr>
-          <p:cNvPr id="339" name="Shape 339"/>
+          <p:cNvPr id="340" name="Shape 340"/>
           <p:cNvSpPr txBox="1"/>
           <p:nvPr>
             <p:ph idx="1" type="body"/>
@@ -25563,6 +25612,285 @@
 </file>
 
 <file path=ppt/theme/theme1.xml><?xml version="1.0" encoding="utf-8"?>
+<a:theme xmlns:a="http://schemas.openxmlformats.org/drawingml/2006/main" xmlns:r="http://schemas.openxmlformats.org/officeDocument/2006/relationships" name="simple-light-2">
+  <a:themeElements>
+    <a:clrScheme name="Simple Light">
+      <a:dk1>
+        <a:srgbClr val="000000"/>
+      </a:dk1>
+      <a:lt1>
+        <a:srgbClr val="FFFFFF"/>
+      </a:lt1>
+      <a:dk2>
+        <a:srgbClr val="595959"/>
+      </a:dk2>
+      <a:lt2>
+        <a:srgbClr val="EEEEEE"/>
+      </a:lt2>
+      <a:accent1>
+        <a:srgbClr val="FFAB40"/>
+      </a:accent1>
+      <a:accent2>
+        <a:srgbClr val="212121"/>
+      </a:accent2>
+      <a:accent3>
+        <a:srgbClr val="78909C"/>
+      </a:accent3>
+      <a:accent4>
+        <a:srgbClr val="FFAB40"/>
+      </a:accent4>
+      <a:accent5>
+        <a:srgbClr val="0097A7"/>
+      </a:accent5>
+      <a:accent6>
+        <a:srgbClr val="EEFF41"/>
+      </a:accent6>
+      <a:hlink>
+        <a:srgbClr val="0097A7"/>
+      </a:hlink>
+      <a:folHlink>
+        <a:srgbClr val="0097A7"/>
+      </a:folHlink>
+    </a:clrScheme>
+    <a:fontScheme name="Office">
+      <a:majorFont>
+        <a:latin typeface="Arial"/>
+        <a:ea typeface=""/>
+        <a:cs typeface=""/>
+        <a:font script="Jpan" typeface="ＭＳ Ｐゴシック"/>
+        <a:font script="Hang" typeface="맑은 고딕"/>
+        <a:font script="Hans" typeface="宋体"/>
+        <a:font script="Hant" typeface="新細明體"/>
+        <a:font script="Arab" typeface="Times New Roman"/>
+        <a:font script="Hebr" typeface="Times New Roman"/>
+        <a:font script="Thai" typeface="Angsana New"/>
+        <a:font script="Ethi" typeface="Nyala"/>
+        <a:font script="Beng" typeface="Vrinda"/>
+        <a:font script="Gujr" typeface="Shruti"/>
+        <a:font script="Khmr" typeface="MoolBoran"/>
+        <a:font script="Knda" typeface="Tunga"/>
+        <a:font script="Guru" typeface="Raavi"/>
+        <a:font script="Cans" typeface="Euphemia"/>
+        <a:font script="Cher" typeface="Plantagenet Cherokee"/>
+        <a:font script="Yiii" typeface="Microsoft Yi Baiti"/>
+        <a:font script="Tibt" typeface="Microsoft Himalaya"/>
+        <a:font script="Thaa" typeface="MV Boli"/>
+        <a:font script="Deva" typeface="Mangal"/>
+        <a:font script="Telu" typeface="Gautami"/>
+        <a:font script="Taml" typeface="Latha"/>
+        <a:font script="Syrc" typeface="Estrangelo Edessa"/>
+        <a:font script="Orya" typeface="Kalinga"/>
+        <a:font script="Mlym" typeface="Kartika"/>
+        <a:font script="Laoo" typeface="DokChampa"/>
+        <a:font script="Sinh" typeface="Iskoola Pota"/>
+        <a:font script="Mong" typeface="Mongolian Baiti"/>
+        <a:font script="Viet" typeface="Times New Roman"/>
+        <a:font script="Uigh" typeface="Microsoft Uighur"/>
+        <a:font script="Geor" typeface="Sylfaen"/>
+      </a:majorFont>
+      <a:minorFont>
+        <a:latin typeface="Arial"/>
+        <a:ea typeface=""/>
+        <a:cs typeface=""/>
+        <a:font script="Jpan" typeface="ＭＳ Ｐゴシック"/>
+        <a:font script="Hang" typeface="맑은 고딕"/>
+        <a:font script="Hans" typeface="宋体"/>
+        <a:font script="Hant" typeface="新細明體"/>
+        <a:font script="Arab" typeface="Arial"/>
+        <a:font script="Hebr" typeface="Arial"/>
+        <a:font script="Thai" typeface="Cordia New"/>
+        <a:font script="Ethi" typeface="Nyala"/>
+        <a:font script="Beng" typeface="Vrinda"/>
+        <a:font script="Gujr" typeface="Shruti"/>
+        <a:font script="Khmr" typeface="DaunPenh"/>
+        <a:font script="Knda" typeface="Tunga"/>
+        <a:font script="Guru" typeface="Raavi"/>
+        <a:font script="Cans" typeface="Euphemia"/>
+        <a:font script="Cher" typeface="Plantagenet Cherokee"/>
+        <a:font script="Yiii" typeface="Microsoft Yi Baiti"/>
+        <a:font script="Tibt" typeface="Microsoft Himalaya"/>
+        <a:font script="Thaa" typeface="MV Boli"/>
+        <a:font script="Deva" typeface="Mangal"/>
+        <a:font script="Telu" typeface="Gautami"/>
+        <a:font script="Taml" typeface="Latha"/>
+        <a:font script="Syrc" typeface="Estrangelo Edessa"/>
+        <a:font script="Orya" typeface="Kalinga"/>
+        <a:font script="Mlym" typeface="Kartika"/>
+        <a:font script="Laoo" typeface="DokChampa"/>
+        <a:font script="Sinh" typeface="Iskoola Pota"/>
+        <a:font script="Mong" typeface="Mongolian Baiti"/>
+        <a:font script="Viet" typeface="Arial"/>
+        <a:font script="Uigh" typeface="Microsoft Uighur"/>
+        <a:font script="Geor" typeface="Sylfaen"/>
+      </a:minorFont>
+    </a:fontScheme>
+    <a:fmtScheme name="Office">
+      <a:fillStyleLst>
+        <a:solidFill>
+          <a:schemeClr val="phClr"/>
+        </a:solidFill>
+        <a:gradFill rotWithShape="1">
+          <a:gsLst>
+            <a:gs pos="0">
+              <a:schemeClr val="phClr">
+                <a:tint val="50000"/>
+                <a:satMod val="300000"/>
+              </a:schemeClr>
+            </a:gs>
+            <a:gs pos="35000">
+              <a:schemeClr val="phClr">
+                <a:tint val="37000"/>
+                <a:satMod val="300000"/>
+              </a:schemeClr>
+            </a:gs>
+            <a:gs pos="100000">
+              <a:schemeClr val="phClr">
+                <a:tint val="15000"/>
+                <a:satMod val="350000"/>
+              </a:schemeClr>
+            </a:gs>
+          </a:gsLst>
+          <a:lin ang="16200000" scaled="1"/>
+        </a:gradFill>
+        <a:gradFill rotWithShape="1">
+          <a:gsLst>
+            <a:gs pos="0">
+              <a:schemeClr val="phClr">
+                <a:tint val="100000"/>
+                <a:shade val="100000"/>
+                <a:satMod val="130000"/>
+              </a:schemeClr>
+            </a:gs>
+            <a:gs pos="100000">
+              <a:schemeClr val="phClr">
+                <a:tint val="50000"/>
+                <a:shade val="100000"/>
+                <a:satMod val="350000"/>
+              </a:schemeClr>
+            </a:gs>
+          </a:gsLst>
+          <a:lin ang="16200000" scaled="0"/>
+        </a:gradFill>
+      </a:fillStyleLst>
+      <a:lnStyleLst>
+        <a:ln w="9525" cap="flat" cmpd="sng" algn="ctr">
+          <a:solidFill>
+            <a:schemeClr val="phClr">
+              <a:shade val="95000"/>
+              <a:satMod val="105000"/>
+            </a:schemeClr>
+          </a:solidFill>
+          <a:prstDash val="solid"/>
+        </a:ln>
+        <a:ln w="25400" cap="flat" cmpd="sng" algn="ctr">
+          <a:solidFill>
+            <a:schemeClr val="phClr"/>
+          </a:solidFill>
+          <a:prstDash val="solid"/>
+        </a:ln>
+        <a:ln w="38100" cap="flat" cmpd="sng" algn="ctr">
+          <a:solidFill>
+            <a:schemeClr val="phClr"/>
+          </a:solidFill>
+          <a:prstDash val="solid"/>
+        </a:ln>
+      </a:lnStyleLst>
+      <a:effectStyleLst>
+        <a:effectStyle>
+          <a:effectLst>
+            <a:outerShdw blurRad="40000" dist="20000" dir="5400000" rotWithShape="0">
+              <a:srgbClr val="000000">
+                <a:alpha val="38000"/>
+              </a:srgbClr>
+            </a:outerShdw>
+          </a:effectLst>
+        </a:effectStyle>
+        <a:effectStyle>
+          <a:effectLst>
+            <a:outerShdw blurRad="40000" dist="23000" dir="5400000" rotWithShape="0">
+              <a:srgbClr val="000000">
+                <a:alpha val="35000"/>
+              </a:srgbClr>
+            </a:outerShdw>
+          </a:effectLst>
+        </a:effectStyle>
+        <a:effectStyle>
+          <a:effectLst>
+            <a:outerShdw blurRad="40000" dist="23000" dir="5400000" rotWithShape="0">
+              <a:srgbClr val="000000">
+                <a:alpha val="35000"/>
+              </a:srgbClr>
+            </a:outerShdw>
+          </a:effectLst>
+          <a:scene3d>
+            <a:camera prst="orthographicFront">
+              <a:rot lat="0" lon="0" rev="0"/>
+            </a:camera>
+            <a:lightRig rig="threePt" dir="t">
+              <a:rot lat="0" lon="0" rev="1200000"/>
+            </a:lightRig>
+          </a:scene3d>
+          <a:sp3d>
+            <a:bevelT w="63500" h="25400"/>
+          </a:sp3d>
+        </a:effectStyle>
+      </a:effectStyleLst>
+      <a:bgFillStyleLst>
+        <a:solidFill>
+          <a:schemeClr val="phClr"/>
+        </a:solidFill>
+        <a:gradFill rotWithShape="1">
+          <a:gsLst>
+            <a:gs pos="0">
+              <a:schemeClr val="phClr">
+                <a:tint val="40000"/>
+                <a:satMod val="350000"/>
+              </a:schemeClr>
+            </a:gs>
+            <a:gs pos="40000">
+              <a:schemeClr val="phClr">
+                <a:tint val="45000"/>
+                <a:shade val="99000"/>
+                <a:satMod val="350000"/>
+              </a:schemeClr>
+            </a:gs>
+            <a:gs pos="100000">
+              <a:schemeClr val="phClr">
+                <a:shade val="20000"/>
+                <a:satMod val="255000"/>
+              </a:schemeClr>
+            </a:gs>
+          </a:gsLst>
+          <a:path path="circle">
+            <a:fillToRect l="50000" t="-80000" r="50000" b="180000"/>
+          </a:path>
+        </a:gradFill>
+        <a:gradFill rotWithShape="1">
+          <a:gsLst>
+            <a:gs pos="0">
+              <a:schemeClr val="phClr">
+                <a:tint val="80000"/>
+                <a:satMod val="300000"/>
+              </a:schemeClr>
+            </a:gs>
+            <a:gs pos="100000">
+              <a:schemeClr val="phClr">
+                <a:shade val="30000"/>
+                <a:satMod val="200000"/>
+              </a:schemeClr>
+            </a:gs>
+          </a:gsLst>
+          <a:path path="circle">
+            <a:fillToRect l="50000" t="50000" r="50000" b="50000"/>
+          </a:path>
+        </a:gradFill>
+      </a:bgFillStyleLst>
+    </a:fmtScheme>
+  </a:themeElements>
+</a:theme>
+</file>
+
+<file path=ppt/theme/theme2.xml><?xml version="1.0" encoding="utf-8"?>
 <a:theme xmlns:a="http://schemas.openxmlformats.org/drawingml/2006/main" xmlns:r="http://schemas.openxmlformats.org/officeDocument/2006/relationships" name="Custom Theme">
   <a:themeElements>
     <a:clrScheme name="Default">
@@ -25839,283 +26167,4 @@
     </a:fmtScheme>
   </a:themeElements>
 </a:theme>
-</file>
-
-<file path=ppt/theme/theme2.xml><?xml version="1.0" encoding="utf-8"?>
-<a:theme xmlns:a="http://schemas.openxmlformats.org/drawingml/2006/main" xmlns:r="http://schemas.openxmlformats.org/officeDocument/2006/relationships" name="simple-light-2">
-  <a:themeElements>
-    <a:clrScheme name="Simple Light">
-      <a:dk1>
-        <a:srgbClr val="000000"/>
-      </a:dk1>
-      <a:lt1>
-        <a:srgbClr val="FFFFFF"/>
-      </a:lt1>
-      <a:dk2>
-        <a:srgbClr val="595959"/>
-      </a:dk2>
-      <a:lt2>
-        <a:srgbClr val="EEEEEE"/>
-      </a:lt2>
-      <a:accent1>
-        <a:srgbClr val="FFAB40"/>
-      </a:accent1>
-      <a:accent2>
-        <a:srgbClr val="212121"/>
-      </a:accent2>
-      <a:accent3>
-        <a:srgbClr val="78909C"/>
-      </a:accent3>
-      <a:accent4>
-        <a:srgbClr val="FFAB40"/>
-      </a:accent4>
-      <a:accent5>
-        <a:srgbClr val="0097A7"/>
-      </a:accent5>
-      <a:accent6>
-        <a:srgbClr val="EEFF41"/>
-      </a:accent6>
-      <a:hlink>
-        <a:srgbClr val="0097A7"/>
-      </a:hlink>
-      <a:folHlink>
-        <a:srgbClr val="0097A7"/>
-      </a:folHlink>
-    </a:clrScheme>
-    <a:fontScheme name="Office">
-      <a:majorFont>
-        <a:latin typeface="Arial"/>
-        <a:ea typeface=""/>
-        <a:cs typeface=""/>
-        <a:font script="Jpan" typeface="ＭＳ Ｐゴシック"/>
-        <a:font script="Hang" typeface="맑은 고딕"/>
-        <a:font script="Hans" typeface="宋体"/>
-        <a:font script="Hant" typeface="新細明體"/>
-        <a:font script="Arab" typeface="Times New Roman"/>
-        <a:font script="Hebr" typeface="Times New Roman"/>
-        <a:font script="Thai" typeface="Angsana New"/>
-        <a:font script="Ethi" typeface="Nyala"/>
-        <a:font script="Beng" typeface="Vrinda"/>
-        <a:font script="Gujr" typeface="Shruti"/>
-        <a:font script="Khmr" typeface="MoolBoran"/>
-        <a:font script="Knda" typeface="Tunga"/>
-        <a:font script="Guru" typeface="Raavi"/>
-        <a:font script="Cans" typeface="Euphemia"/>
-        <a:font script="Cher" typeface="Plantagenet Cherokee"/>
-        <a:font script="Yiii" typeface="Microsoft Yi Baiti"/>
-        <a:font script="Tibt" typeface="Microsoft Himalaya"/>
-        <a:font script="Thaa" typeface="MV Boli"/>
-        <a:font script="Deva" typeface="Mangal"/>
-        <a:font script="Telu" typeface="Gautami"/>
-        <a:font script="Taml" typeface="Latha"/>
-        <a:font script="Syrc" typeface="Estrangelo Edessa"/>
-        <a:font script="Orya" typeface="Kalinga"/>
-        <a:font script="Mlym" typeface="Kartika"/>
-        <a:font script="Laoo" typeface="DokChampa"/>
-        <a:font script="Sinh" typeface="Iskoola Pota"/>
-        <a:font script="Mong" typeface="Mongolian Baiti"/>
-        <a:font script="Viet" typeface="Times New Roman"/>
-        <a:font script="Uigh" typeface="Microsoft Uighur"/>
-        <a:font script="Geor" typeface="Sylfaen"/>
-      </a:majorFont>
-      <a:minorFont>
-        <a:latin typeface="Arial"/>
-        <a:ea typeface=""/>
-        <a:cs typeface=""/>
-        <a:font script="Jpan" typeface="ＭＳ Ｐゴシック"/>
-        <a:font script="Hang" typeface="맑은 고딕"/>
-        <a:font script="Hans" typeface="宋体"/>
-        <a:font script="Hant" typeface="新細明體"/>
-        <a:font script="Arab" typeface="Arial"/>
-        <a:font script="Hebr" typeface="Arial"/>
-        <a:font script="Thai" typeface="Cordia New"/>
-        <a:font script="Ethi" typeface="Nyala"/>
-        <a:font script="Beng" typeface="Vrinda"/>
-        <a:font script="Gujr" typeface="Shruti"/>
-        <a:font script="Khmr" typeface="DaunPenh"/>
-        <a:font script="Knda" typeface="Tunga"/>
-        <a:font script="Guru" typeface="Raavi"/>
-        <a:font script="Cans" typeface="Euphemia"/>
-        <a:font script="Cher" typeface="Plantagenet Cherokee"/>
-        <a:font script="Yiii" typeface="Microsoft Yi Baiti"/>
-        <a:font script="Tibt" typeface="Microsoft Himalaya"/>
-        <a:font script="Thaa" typeface="MV Boli"/>
-        <a:font script="Deva" typeface="Mangal"/>
-        <a:font script="Telu" typeface="Gautami"/>
-        <a:font script="Taml" typeface="Latha"/>
-        <a:font script="Syrc" typeface="Estrangelo Edessa"/>
-        <a:font script="Orya" typeface="Kalinga"/>
-        <a:font script="Mlym" typeface="Kartika"/>
-        <a:font script="Laoo" typeface="DokChampa"/>
-        <a:font script="Sinh" typeface="Iskoola Pota"/>
-        <a:font script="Mong" typeface="Mongolian Baiti"/>
-        <a:font script="Viet" typeface="Arial"/>
-        <a:font script="Uigh" typeface="Microsoft Uighur"/>
-        <a:font script="Geor" typeface="Sylfaen"/>
-      </a:minorFont>
-    </a:fontScheme>
-    <a:fmtScheme name="Office">
-      <a:fillStyleLst>
-        <a:solidFill>
-          <a:schemeClr val="phClr"/>
-        </a:solidFill>
-        <a:gradFill rotWithShape="1">
-          <a:gsLst>
-            <a:gs pos="0">
-              <a:schemeClr val="phClr">
-                <a:tint val="50000"/>
-                <a:satMod val="300000"/>
-              </a:schemeClr>
-            </a:gs>
-            <a:gs pos="35000">
-              <a:schemeClr val="phClr">
-                <a:tint val="37000"/>
-                <a:satMod val="300000"/>
-              </a:schemeClr>
-            </a:gs>
-            <a:gs pos="100000">
-              <a:schemeClr val="phClr">
-                <a:tint val="15000"/>
-                <a:satMod val="350000"/>
-              </a:schemeClr>
-            </a:gs>
-          </a:gsLst>
-          <a:lin ang="16200000" scaled="1"/>
-        </a:gradFill>
-        <a:gradFill rotWithShape="1">
-          <a:gsLst>
-            <a:gs pos="0">
-              <a:schemeClr val="phClr">
-                <a:tint val="100000"/>
-                <a:shade val="100000"/>
-                <a:satMod val="130000"/>
-              </a:schemeClr>
-            </a:gs>
-            <a:gs pos="100000">
-              <a:schemeClr val="phClr">
-                <a:tint val="50000"/>
-                <a:shade val="100000"/>
-                <a:satMod val="350000"/>
-              </a:schemeClr>
-            </a:gs>
-          </a:gsLst>
-          <a:lin ang="16200000" scaled="0"/>
-        </a:gradFill>
-      </a:fillStyleLst>
-      <a:lnStyleLst>
-        <a:ln w="9525" cap="flat" cmpd="sng" algn="ctr">
-          <a:solidFill>
-            <a:schemeClr val="phClr">
-              <a:shade val="95000"/>
-              <a:satMod val="105000"/>
-            </a:schemeClr>
-          </a:solidFill>
-          <a:prstDash val="solid"/>
-        </a:ln>
-        <a:ln w="25400" cap="flat" cmpd="sng" algn="ctr">
-          <a:solidFill>
-            <a:schemeClr val="phClr"/>
-          </a:solidFill>
-          <a:prstDash val="solid"/>
-        </a:ln>
-        <a:ln w="38100" cap="flat" cmpd="sng" algn="ctr">
-          <a:solidFill>
-            <a:schemeClr val="phClr"/>
-          </a:solidFill>
-          <a:prstDash val="solid"/>
-        </a:ln>
-      </a:lnStyleLst>
-      <a:effectStyleLst>
-        <a:effectStyle>
-          <a:effectLst>
-            <a:outerShdw blurRad="40000" dist="20000" dir="5400000" rotWithShape="0">
-              <a:srgbClr val="000000">
-                <a:alpha val="38000"/>
-              </a:srgbClr>
-            </a:outerShdw>
-          </a:effectLst>
-        </a:effectStyle>
-        <a:effectStyle>
-          <a:effectLst>
-            <a:outerShdw blurRad="40000" dist="23000" dir="5400000" rotWithShape="0">
-              <a:srgbClr val="000000">
-                <a:alpha val="35000"/>
-              </a:srgbClr>
-            </a:outerShdw>
-          </a:effectLst>
-        </a:effectStyle>
-        <a:effectStyle>
-          <a:effectLst>
-            <a:outerShdw blurRad="40000" dist="23000" dir="5400000" rotWithShape="0">
-              <a:srgbClr val="000000">
-                <a:alpha val="35000"/>
-              </a:srgbClr>
-            </a:outerShdw>
-          </a:effectLst>
-          <a:scene3d>
-            <a:camera prst="orthographicFront">
-              <a:rot lat="0" lon="0" rev="0"/>
-            </a:camera>
-            <a:lightRig rig="threePt" dir="t">
-              <a:rot lat="0" lon="0" rev="1200000"/>
-            </a:lightRig>
-          </a:scene3d>
-          <a:sp3d>
-            <a:bevelT w="63500" h="25400"/>
-          </a:sp3d>
-        </a:effectStyle>
-      </a:effectStyleLst>
-      <a:bgFillStyleLst>
-        <a:solidFill>
-          <a:schemeClr val="phClr"/>
-        </a:solidFill>
-        <a:gradFill rotWithShape="1">
-          <a:gsLst>
-            <a:gs pos="0">
-              <a:schemeClr val="phClr">
-                <a:tint val="40000"/>
-                <a:satMod val="350000"/>
-              </a:schemeClr>
-            </a:gs>
-            <a:gs pos="40000">
-              <a:schemeClr val="phClr">
-                <a:tint val="45000"/>
-                <a:shade val="99000"/>
-                <a:satMod val="350000"/>
-              </a:schemeClr>
-            </a:gs>
-            <a:gs pos="100000">
-              <a:schemeClr val="phClr">
-                <a:shade val="20000"/>
-                <a:satMod val="255000"/>
-              </a:schemeClr>
-            </a:gs>
-          </a:gsLst>
-          <a:path path="circle">
-            <a:fillToRect l="50000" t="-80000" r="50000" b="180000"/>
-          </a:path>
-        </a:gradFill>
-        <a:gradFill rotWithShape="1">
-          <a:gsLst>
-            <a:gs pos="0">
-              <a:schemeClr val="phClr">
-                <a:tint val="80000"/>
-                <a:satMod val="300000"/>
-              </a:schemeClr>
-            </a:gs>
-            <a:gs pos="100000">
-              <a:schemeClr val="phClr">
-                <a:shade val="30000"/>
-                <a:satMod val="200000"/>
-              </a:schemeClr>
-            </a:gs>
-          </a:gsLst>
-          <a:path path="circle">
-            <a:fillToRect l="50000" t="50000" r="50000" b="50000"/>
-          </a:path>
-        </a:gradFill>
-      </a:bgFillStyleLst>
-    </a:fmtScheme>
-  </a:themeElements>
-</a:theme>
 </file>